--- a/se/slides/04_UML_Behaviour.pptx
+++ b/se/slides/04_UML_Behaviour.pptx
@@ -26,9 +26,9 @@
     <p:sldId id="268" r:id="rId14"/>
     <p:sldId id="269" r:id="rId15"/>
     <p:sldId id="297" r:id="rId16"/>
-    <p:sldId id="273" r:id="rId17"/>
-    <p:sldId id="274" r:id="rId18"/>
-    <p:sldId id="272" r:id="rId19"/>
+    <p:sldId id="272" r:id="rId17"/>
+    <p:sldId id="273" r:id="rId18"/>
+    <p:sldId id="274" r:id="rId19"/>
     <p:sldId id="275" r:id="rId20"/>
     <p:sldId id="276" r:id="rId21"/>
     <p:sldId id="277" r:id="rId22"/>
@@ -8203,25 +8203,6 @@
       </p:sp>
       <p:sp>
         <p:nvSpPr>
-          <p:cNvPr id="4" name="Inhaltsplatzhalter 3"/>
-          <p:cNvSpPr>
-            <a:spLocks noGrp="1"/>
-          </p:cNvSpPr>
-          <p:nvPr>
-            <p:ph idx="1"/>
-          </p:nvPr>
-        </p:nvSpPr>
-        <p:spPr/>
-        <p:txBody>
-          <a:bodyPr/>
-          <a:lstStyle/>
-          <a:p>
-            <a:endParaRPr lang="de-DE"/>
-          </a:p>
-        </p:txBody>
-      </p:sp>
-      <p:sp>
-        <p:nvSpPr>
           <p:cNvPr id="3" name="Foliennummernplatzhalter 2"/>
           <p:cNvSpPr>
             <a:spLocks noGrp="1"/>
@@ -8284,7 +8265,7 @@
         </p:blipFill>
         <p:spPr bwMode="auto">
           <a:xfrm>
-            <a:off x="3200401" y="1557338"/>
+            <a:off x="3287688" y="1772816"/>
             <a:ext cx="6596063" cy="4919662"/>
           </a:xfrm>
           <a:prstGeom prst="rect">
@@ -9878,6 +9859,138 @@
       </p:grpSpPr>
       <p:sp>
         <p:nvSpPr>
+          <p:cNvPr id="18434" name="Rectangle 2"/>
+          <p:cNvSpPr>
+            <a:spLocks noGrp="1" noChangeArrowheads="1"/>
+          </p:cNvSpPr>
+          <p:nvPr>
+            <p:ph type="title"/>
+          </p:nvPr>
+        </p:nvSpPr>
+        <p:spPr/>
+        <p:txBody>
+          <a:bodyPr vert="horz" lIns="0" tIns="0" rIns="0" bIns="0" rtlCol="0" anchor="ctr">
+            <a:noAutofit/>
+          </a:bodyPr>
+          <a:lstStyle/>
+          <a:p>
+            <a:r>
+              <a:rPr lang="de-DE" dirty="0" smtClean="0"/>
+              <a:t>Beispiel</a:t>
+            </a:r>
+            <a:endParaRPr lang="en-US" dirty="0"/>
+          </a:p>
+        </p:txBody>
+      </p:sp>
+      <p:sp>
+        <p:nvSpPr>
+          <p:cNvPr id="3" name="Foliennummernplatzhalter 2"/>
+          <p:cNvSpPr>
+            <a:spLocks noGrp="1"/>
+          </p:cNvSpPr>
+          <p:nvPr>
+            <p:ph type="sldNum" sz="quarter" idx="12"/>
+          </p:nvPr>
+        </p:nvSpPr>
+        <p:spPr/>
+        <p:txBody>
+          <a:bodyPr/>
+          <a:lstStyle/>
+          <a:p>
+            <a:pPr>
+              <a:defRPr/>
+            </a:pPr>
+            <a:fld id="{C0B85308-4B91-4084-B5EB-6B176834447A}" type="slidenum">
+              <a:rPr lang="de-DE" smtClean="0">
+                <a:solidFill>
+                  <a:prstClr val="black">
+                    <a:tint val="75000"/>
+                  </a:prstClr>
+                </a:solidFill>
+              </a:rPr>
+              <a:pPr>
+                <a:defRPr/>
+              </a:pPr>
+              <a:t>16</a:t>
+            </a:fld>
+            <a:endParaRPr lang="de-DE">
+              <a:solidFill>
+                <a:prstClr val="black">
+                  <a:tint val="75000"/>
+                </a:prstClr>
+              </a:solidFill>
+            </a:endParaRPr>
+          </a:p>
+        </p:txBody>
+      </p:sp>
+      <p:pic>
+        <p:nvPicPr>
+          <p:cNvPr id="1026" name="Picture 2" descr="https://upload.wikimedia.org/wikipedia/en/4/45/UML_state_machine_Fig1.png"/>
+          <p:cNvPicPr>
+            <a:picLocks noChangeAspect="1" noChangeArrowheads="1"/>
+          </p:cNvPicPr>
+          <p:nvPr/>
+        </p:nvPicPr>
+        <p:blipFill>
+          <a:blip r:embed="rId2">
+            <a:extLst>
+              <a:ext uri="{28A0092B-C50C-407E-A947-70E740481C1C}">
+                <a14:useLocalDpi xmlns:a14="http://schemas.microsoft.com/office/drawing/2010/main" val="0"/>
+              </a:ext>
+            </a:extLst>
+          </a:blip>
+          <a:srcRect/>
+          <a:stretch>
+            <a:fillRect/>
+          </a:stretch>
+        </p:blipFill>
+        <p:spPr bwMode="auto">
+          <a:xfrm>
+            <a:off x="2495600" y="2564904"/>
+            <a:ext cx="8674172" cy="3457948"/>
+          </a:xfrm>
+          <a:prstGeom prst="rect">
+            <a:avLst/>
+          </a:prstGeom>
+          <a:noFill/>
+          <a:extLst>
+            <a:ext uri="{909E8E84-426E-40DD-AFC4-6F175D3DCCD1}">
+              <a14:hiddenFill xmlns:a14="http://schemas.microsoft.com/office/drawing/2010/main">
+                <a:solidFill>
+                  <a:srgbClr val="FFFFFF"/>
+                </a:solidFill>
+              </a14:hiddenFill>
+            </a:ext>
+          </a:extLst>
+        </p:spPr>
+      </p:pic>
+    </p:spTree>
+  </p:cSld>
+  <p:clrMapOvr>
+    <a:masterClrMapping/>
+  </p:clrMapOvr>
+</p:sld>
+</file>
+
+<file path=ppt/slides/slide17.xml><?xml version="1.0" encoding="utf-8"?>
+<p:sld xmlns:a="http://schemas.openxmlformats.org/drawingml/2006/main" xmlns:r="http://schemas.openxmlformats.org/officeDocument/2006/relationships" xmlns:p="http://schemas.openxmlformats.org/presentationml/2006/main">
+  <p:cSld>
+    <p:spTree>
+      <p:nvGrpSpPr>
+        <p:cNvPr id="1" name=""/>
+        <p:cNvGrpSpPr/>
+        <p:nvPr/>
+      </p:nvGrpSpPr>
+      <p:grpSpPr>
+        <a:xfrm>
+          <a:off x="0" y="0"/>
+          <a:ext cx="0" cy="0"/>
+          <a:chOff x="0" y="0"/>
+          <a:chExt cx="0" cy="0"/>
+        </a:xfrm>
+      </p:grpSpPr>
+      <p:sp>
+        <p:nvSpPr>
           <p:cNvPr id="19458" name="Rectangle 2"/>
           <p:cNvSpPr>
             <a:spLocks noGrp="1" noChangeArrowheads="1"/>
@@ -9894,9 +10007,10 @@
           <a:lstStyle/>
           <a:p>
             <a:r>
-              <a:rPr lang="en-US" dirty="0"/>
-              <a:t>Definition</a:t>
-            </a:r>
+              <a:rPr lang="en-US" dirty="0" smtClean="0"/>
+              <a:t>Definition I</a:t>
+            </a:r>
+            <a:endParaRPr lang="en-US" dirty="0"/>
           </a:p>
         </p:txBody>
       </p:sp>
@@ -10137,7 +10251,7 @@
               <a:pPr>
                 <a:defRPr/>
               </a:pPr>
-              <a:t>16</a:t>
+              <a:t>17</a:t>
             </a:fld>
             <a:endParaRPr lang="de-DE">
               <a:solidFill>
@@ -10420,299 +10534,6 @@
 </p:sld>
 </file>
 
-<file path=ppt/slides/slide17.xml><?xml version="1.0" encoding="utf-8"?>
-<p:sld xmlns:a="http://schemas.openxmlformats.org/drawingml/2006/main" xmlns:r="http://schemas.openxmlformats.org/officeDocument/2006/relationships" xmlns:p="http://schemas.openxmlformats.org/presentationml/2006/main">
-  <p:cSld>
-    <p:spTree>
-      <p:nvGrpSpPr>
-        <p:cNvPr id="1" name=""/>
-        <p:cNvGrpSpPr/>
-        <p:nvPr/>
-      </p:nvGrpSpPr>
-      <p:grpSpPr>
-        <a:xfrm>
-          <a:off x="0" y="0"/>
-          <a:ext cx="0" cy="0"/>
-          <a:chOff x="0" y="0"/>
-          <a:chExt cx="0" cy="0"/>
-        </a:xfrm>
-      </p:grpSpPr>
-      <p:sp>
-        <p:nvSpPr>
-          <p:cNvPr id="20482" name="Rectangle 2"/>
-          <p:cNvSpPr>
-            <a:spLocks noGrp="1" noChangeArrowheads="1"/>
-          </p:cNvSpPr>
-          <p:nvPr>
-            <p:ph type="title"/>
-          </p:nvPr>
-        </p:nvSpPr>
-        <p:spPr/>
-        <p:txBody>
-          <a:bodyPr vert="horz" lIns="0" tIns="0" rIns="0" bIns="0" rtlCol="0" anchor="ctr">
-            <a:noAutofit/>
-          </a:bodyPr>
-          <a:lstStyle/>
-          <a:p>
-            <a:r>
-              <a:rPr lang="en-US" dirty="0"/>
-              <a:t>Definition...</a:t>
-            </a:r>
-          </a:p>
-        </p:txBody>
-      </p:sp>
-      <p:sp>
-        <p:nvSpPr>
-          <p:cNvPr id="20483" name="Rectangle 3"/>
-          <p:cNvSpPr>
-            <a:spLocks noGrp="1" noChangeArrowheads="1"/>
-          </p:cNvSpPr>
-          <p:nvPr>
-            <p:ph idx="1"/>
-          </p:nvPr>
-        </p:nvSpPr>
-        <p:spPr/>
-        <p:txBody>
-          <a:bodyPr vert="horz" lIns="0" tIns="0" rIns="0" bIns="0" rtlCol="0">
-            <a:normAutofit/>
-          </a:bodyPr>
-          <a:lstStyle/>
-          <a:p>
-            <a:pPr marL="419100" indent="-419100">
-              <a:buNone/>
-            </a:pPr>
-            <a:r>
-              <a:rPr lang="de-DE" dirty="0"/>
-              <a:t>Ein </a:t>
-            </a:r>
-            <a:r>
-              <a:rPr lang="de-DE" u="sng" dirty="0"/>
-              <a:t>Zustand</a:t>
-            </a:r>
-            <a:r>
-              <a:rPr lang="de-DE" dirty="0"/>
-              <a:t> ist eine Zeitperiode, bei der ein Objekt auf ein Ereignis </a:t>
-            </a:r>
-            <a:r>
-              <a:rPr lang="de-DE" i="1" dirty="0">
-                <a:solidFill>
-                  <a:srgbClr val="7F0101"/>
-                </a:solidFill>
-              </a:rPr>
-              <a:t>wartet</a:t>
-            </a:r>
-            <a:r>
-              <a:rPr lang="de-DE" dirty="0"/>
-              <a:t>:</a:t>
-            </a:r>
-          </a:p>
-          <a:p>
-            <a:pPr marL="838200" lvl="1" indent="-381000"/>
-            <a:r>
-              <a:rPr lang="de-DE" dirty="0"/>
-              <a:t>Dargestellt als </a:t>
-            </a:r>
-            <a:r>
-              <a:rPr lang="de-DE" i="1" dirty="0">
-                <a:solidFill>
-                  <a:srgbClr val="7F0101"/>
-                </a:solidFill>
-              </a:rPr>
-              <a:t>abgerundete Box</a:t>
-            </a:r>
-            <a:r>
-              <a:rPr lang="de-DE" dirty="0"/>
-              <a:t> mit (bis zu) drei Sektionen:</a:t>
-            </a:r>
-          </a:p>
-          <a:p>
-            <a:pPr marL="1295400" lvl="2" indent="-381000"/>
-            <a:r>
-              <a:rPr lang="de-DE" i="1" dirty="0" err="1"/>
-              <a:t>name</a:t>
-            </a:r>
-            <a:r>
-              <a:rPr lang="de-DE" dirty="0"/>
-              <a:t> — optional</a:t>
-            </a:r>
-          </a:p>
-          <a:p>
-            <a:pPr marL="1295400" lvl="2" indent="-381000"/>
-            <a:r>
-              <a:rPr lang="de-DE" i="1" dirty="0" err="1"/>
-              <a:t>state</a:t>
-            </a:r>
-            <a:r>
-              <a:rPr lang="de-DE" dirty="0"/>
-              <a:t> variables — </a:t>
-            </a:r>
-            <a:r>
-              <a:rPr lang="de-DE" dirty="0" err="1"/>
-              <a:t>name</a:t>
-            </a:r>
-            <a:r>
-              <a:rPr lang="de-DE" dirty="0"/>
-              <a:t>: type = </a:t>
-            </a:r>
-            <a:r>
-              <a:rPr lang="de-DE" dirty="0" err="1"/>
-              <a:t>value</a:t>
-            </a:r>
-            <a:r>
-              <a:rPr lang="de-DE" dirty="0"/>
-              <a:t> (valid </a:t>
-            </a:r>
-            <a:r>
-              <a:rPr lang="de-DE" dirty="0" err="1"/>
-              <a:t>only</a:t>
-            </a:r>
-            <a:r>
-              <a:rPr lang="de-DE" dirty="0"/>
-              <a:t> </a:t>
-            </a:r>
-            <a:r>
-              <a:rPr lang="de-DE" dirty="0" err="1"/>
-              <a:t>for</a:t>
-            </a:r>
-            <a:r>
-              <a:rPr lang="de-DE" dirty="0"/>
-              <a:t> </a:t>
-            </a:r>
-            <a:r>
-              <a:rPr lang="de-DE" dirty="0" err="1"/>
-              <a:t>that</a:t>
-            </a:r>
-            <a:r>
-              <a:rPr lang="de-DE" dirty="0"/>
-              <a:t> </a:t>
-            </a:r>
-            <a:r>
-              <a:rPr lang="de-DE" dirty="0" err="1"/>
-              <a:t>state</a:t>
-            </a:r>
-            <a:r>
-              <a:rPr lang="de-DE" dirty="0"/>
-              <a:t>)</a:t>
-            </a:r>
-          </a:p>
-          <a:p>
-            <a:pPr marL="1295400" lvl="2" indent="-381000"/>
-            <a:r>
-              <a:rPr lang="de-DE" i="1" dirty="0" err="1"/>
-              <a:t>triggered</a:t>
-            </a:r>
-            <a:r>
-              <a:rPr lang="de-DE" i="1" dirty="0"/>
-              <a:t> </a:t>
-            </a:r>
-            <a:r>
-              <a:rPr lang="de-DE" i="1" dirty="0" err="1"/>
-              <a:t>operations</a:t>
-            </a:r>
-            <a:r>
-              <a:rPr lang="de-DE" dirty="0"/>
-              <a:t> — internal </a:t>
-            </a:r>
-            <a:r>
-              <a:rPr lang="de-DE" dirty="0" err="1"/>
-              <a:t>transitions</a:t>
-            </a:r>
-            <a:r>
-              <a:rPr lang="de-DE" dirty="0"/>
-              <a:t> </a:t>
-            </a:r>
-            <a:r>
-              <a:rPr lang="de-DE" dirty="0" err="1"/>
-              <a:t>and</a:t>
-            </a:r>
-            <a:r>
-              <a:rPr lang="de-DE" dirty="0"/>
-              <a:t> </a:t>
-            </a:r>
-            <a:r>
-              <a:rPr lang="de-DE" dirty="0" err="1"/>
-              <a:t>ongoing</a:t>
-            </a:r>
-            <a:r>
-              <a:rPr lang="de-DE" dirty="0"/>
-              <a:t> </a:t>
-            </a:r>
-            <a:r>
-              <a:rPr lang="de-DE" dirty="0" err="1"/>
-              <a:t>operations</a:t>
-            </a:r>
-            <a:endParaRPr lang="de-DE" dirty="0"/>
-          </a:p>
-          <a:p>
-            <a:pPr marL="838200" lvl="1" indent="-381000"/>
-            <a:r>
-              <a:rPr lang="de-DE" dirty="0"/>
-              <a:t>Kann </a:t>
-            </a:r>
-            <a:r>
-              <a:rPr lang="de-DE" i="1" dirty="0">
-                <a:solidFill>
-                  <a:srgbClr val="7F0101"/>
-                </a:solidFill>
-              </a:rPr>
-              <a:t>geschachtelt </a:t>
-            </a:r>
-            <a:r>
-              <a:rPr lang="de-DE" dirty="0"/>
-              <a:t>sein</a:t>
-            </a:r>
-          </a:p>
-        </p:txBody>
-      </p:sp>
-      <p:sp>
-        <p:nvSpPr>
-          <p:cNvPr id="2" name="Foliennummernplatzhalter 1"/>
-          <p:cNvSpPr>
-            <a:spLocks noGrp="1"/>
-          </p:cNvSpPr>
-          <p:nvPr>
-            <p:ph type="sldNum" sz="quarter" idx="12"/>
-          </p:nvPr>
-        </p:nvSpPr>
-        <p:spPr/>
-        <p:txBody>
-          <a:bodyPr/>
-          <a:lstStyle/>
-          <a:p>
-            <a:pPr>
-              <a:defRPr/>
-            </a:pPr>
-            <a:fld id="{C0B85308-4B91-4084-B5EB-6B176834447A}" type="slidenum">
-              <a:rPr lang="de-DE" smtClean="0">
-                <a:solidFill>
-                  <a:prstClr val="black">
-                    <a:tint val="75000"/>
-                  </a:prstClr>
-                </a:solidFill>
-              </a:rPr>
-              <a:pPr>
-                <a:defRPr/>
-              </a:pPr>
-              <a:t>17</a:t>
-            </a:fld>
-            <a:endParaRPr lang="de-DE">
-              <a:solidFill>
-                <a:prstClr val="black">
-                  <a:tint val="75000"/>
-                </a:prstClr>
-              </a:solidFill>
-            </a:endParaRPr>
-          </a:p>
-        </p:txBody>
-      </p:sp>
-    </p:spTree>
-  </p:cSld>
-  <p:clrMapOvr>
-    <a:masterClrMapping/>
-  </p:clrMapOvr>
-</p:sld>
-</file>
-
 <file path=ppt/slides/slide18.xml><?xml version="1.0" encoding="utf-8"?>
 <p:sld xmlns:a="http://schemas.openxmlformats.org/drawingml/2006/main" xmlns:r="http://schemas.openxmlformats.org/officeDocument/2006/relationships" xmlns:p="http://schemas.openxmlformats.org/presentationml/2006/main">
   <p:cSld>
@@ -10732,7 +10553,7 @@
       </p:grpSpPr>
       <p:sp>
         <p:nvSpPr>
-          <p:cNvPr id="18434" name="Rectangle 2"/>
+          <p:cNvPr id="20482" name="Rectangle 2"/>
           <p:cNvSpPr>
             <a:spLocks noGrp="1" noChangeArrowheads="1"/>
           </p:cNvSpPr>
@@ -10748,8 +10569,16 @@
           <a:lstStyle/>
           <a:p>
             <a:r>
-              <a:rPr lang="en-US" dirty="0" err="1"/>
-              <a:t>Beispiel</a:t>
+              <a:rPr lang="en-US" dirty="0" smtClean="0"/>
+              <a:t>Definition</a:t>
+            </a:r>
+            <a:r>
+              <a:rPr lang="en-US" dirty="0"/>
+              <a:t> </a:t>
+            </a:r>
+            <a:r>
+              <a:rPr lang="en-US" dirty="0" smtClean="0"/>
+              <a:t>II</a:t>
             </a:r>
             <a:endParaRPr lang="en-US" dirty="0"/>
           </a:p>
@@ -10757,9 +10586,9 @@
       </p:sp>
       <p:sp>
         <p:nvSpPr>
-          <p:cNvPr id="2" name="Inhaltsplatzhalter 1"/>
+          <p:cNvPr id="20483" name="Rectangle 3"/>
           <p:cNvSpPr>
-            <a:spLocks noGrp="1"/>
+            <a:spLocks noGrp="1" noChangeArrowheads="1"/>
           </p:cNvSpPr>
           <p:nvPr>
             <p:ph idx="1"/>
@@ -10767,19 +10596,200 @@
         </p:nvSpPr>
         <p:spPr/>
         <p:txBody>
-          <a:bodyPr/>
+          <a:bodyPr vert="horz" lIns="0" tIns="0" rIns="0" bIns="0" rtlCol="0">
+            <a:normAutofit/>
+          </a:bodyPr>
           <a:lstStyle/>
           <a:p>
+            <a:pPr marL="419100" indent="-419100">
+              <a:buNone/>
+            </a:pPr>
             <a:r>
               <a:rPr lang="de-DE" dirty="0"/>
-              <a:t>Zustand eines Objektes</a:t>
-            </a:r>
-          </a:p>
-        </p:txBody>
-      </p:sp>
-      <p:sp>
-        <p:nvSpPr>
-          <p:cNvPr id="3" name="Foliennummernplatzhalter 2"/>
+              <a:t>Ein </a:t>
+            </a:r>
+            <a:r>
+              <a:rPr lang="de-DE" u="sng" dirty="0"/>
+              <a:t>Zustand</a:t>
+            </a:r>
+            <a:r>
+              <a:rPr lang="de-DE" dirty="0"/>
+              <a:t> ist eine Zeitperiode, bei der ein Objekt auf ein Ereignis </a:t>
+            </a:r>
+            <a:r>
+              <a:rPr lang="de-DE" i="1" dirty="0">
+                <a:solidFill>
+                  <a:srgbClr val="7F0101"/>
+                </a:solidFill>
+              </a:rPr>
+              <a:t>wartet</a:t>
+            </a:r>
+            <a:r>
+              <a:rPr lang="de-DE" dirty="0"/>
+              <a:t>:</a:t>
+            </a:r>
+          </a:p>
+          <a:p>
+            <a:pPr marL="838200" lvl="1" indent="-381000"/>
+            <a:r>
+              <a:rPr lang="de-DE" dirty="0"/>
+              <a:t>Dargestellt als </a:t>
+            </a:r>
+            <a:r>
+              <a:rPr lang="de-DE" i="1" dirty="0">
+                <a:solidFill>
+                  <a:srgbClr val="7F0101"/>
+                </a:solidFill>
+              </a:rPr>
+              <a:t>abgerundete Box</a:t>
+            </a:r>
+            <a:r>
+              <a:rPr lang="de-DE" dirty="0"/>
+              <a:t> mit (bis zu) drei Sektionen:</a:t>
+            </a:r>
+          </a:p>
+          <a:p>
+            <a:pPr marL="1295400" lvl="2" indent="-381000"/>
+            <a:r>
+              <a:rPr lang="de-DE" i="1" dirty="0" err="1"/>
+              <a:t>name</a:t>
+            </a:r>
+            <a:r>
+              <a:rPr lang="de-DE" dirty="0"/>
+              <a:t> — optional</a:t>
+            </a:r>
+          </a:p>
+          <a:p>
+            <a:pPr marL="1295400" lvl="2" indent="-381000"/>
+            <a:r>
+              <a:rPr lang="de-DE" i="1" dirty="0" err="1"/>
+              <a:t>state</a:t>
+            </a:r>
+            <a:r>
+              <a:rPr lang="de-DE" dirty="0"/>
+              <a:t> variables — </a:t>
+            </a:r>
+            <a:r>
+              <a:rPr lang="de-DE" dirty="0" err="1"/>
+              <a:t>name</a:t>
+            </a:r>
+            <a:r>
+              <a:rPr lang="de-DE" dirty="0"/>
+              <a:t>: type = </a:t>
+            </a:r>
+            <a:r>
+              <a:rPr lang="de-DE" dirty="0" err="1"/>
+              <a:t>value</a:t>
+            </a:r>
+            <a:r>
+              <a:rPr lang="de-DE" dirty="0"/>
+              <a:t> (valid </a:t>
+            </a:r>
+            <a:r>
+              <a:rPr lang="de-DE" dirty="0" err="1"/>
+              <a:t>only</a:t>
+            </a:r>
+            <a:r>
+              <a:rPr lang="de-DE" dirty="0"/>
+              <a:t> </a:t>
+            </a:r>
+            <a:r>
+              <a:rPr lang="de-DE" dirty="0" err="1"/>
+              <a:t>for</a:t>
+            </a:r>
+            <a:r>
+              <a:rPr lang="de-DE" dirty="0"/>
+              <a:t> </a:t>
+            </a:r>
+            <a:r>
+              <a:rPr lang="de-DE" dirty="0" err="1"/>
+              <a:t>that</a:t>
+            </a:r>
+            <a:r>
+              <a:rPr lang="de-DE" dirty="0"/>
+              <a:t> </a:t>
+            </a:r>
+            <a:r>
+              <a:rPr lang="de-DE" dirty="0" err="1"/>
+              <a:t>state</a:t>
+            </a:r>
+            <a:r>
+              <a:rPr lang="de-DE" dirty="0"/>
+              <a:t>)</a:t>
+            </a:r>
+          </a:p>
+          <a:p>
+            <a:pPr marL="1295400" lvl="2" indent="-381000"/>
+            <a:r>
+              <a:rPr lang="de-DE" i="1" dirty="0" err="1"/>
+              <a:t>triggered</a:t>
+            </a:r>
+            <a:r>
+              <a:rPr lang="de-DE" i="1" dirty="0"/>
+              <a:t> </a:t>
+            </a:r>
+            <a:r>
+              <a:rPr lang="de-DE" i="1" dirty="0" err="1"/>
+              <a:t>operations</a:t>
+            </a:r>
+            <a:r>
+              <a:rPr lang="de-DE" dirty="0"/>
+              <a:t> — internal </a:t>
+            </a:r>
+            <a:r>
+              <a:rPr lang="de-DE" dirty="0" err="1"/>
+              <a:t>transitions</a:t>
+            </a:r>
+            <a:r>
+              <a:rPr lang="de-DE" dirty="0"/>
+              <a:t> </a:t>
+            </a:r>
+            <a:r>
+              <a:rPr lang="de-DE" dirty="0" err="1"/>
+              <a:t>and</a:t>
+            </a:r>
+            <a:r>
+              <a:rPr lang="de-DE" dirty="0"/>
+              <a:t> </a:t>
+            </a:r>
+            <a:r>
+              <a:rPr lang="de-DE" dirty="0" err="1"/>
+              <a:t>ongoing</a:t>
+            </a:r>
+            <a:r>
+              <a:rPr lang="de-DE" dirty="0"/>
+              <a:t> </a:t>
+            </a:r>
+            <a:r>
+              <a:rPr lang="de-DE" dirty="0" err="1"/>
+              <a:t>operations</a:t>
+            </a:r>
+            <a:endParaRPr lang="de-DE" dirty="0"/>
+          </a:p>
+          <a:p>
+            <a:pPr marL="838200" lvl="1" indent="-381000"/>
+            <a:r>
+              <a:rPr lang="de-DE" dirty="0"/>
+              <a:t>Kann </a:t>
+            </a:r>
+            <a:r>
+              <a:rPr lang="de-DE" i="1" dirty="0">
+                <a:solidFill>
+                  <a:srgbClr val="7F0101"/>
+                </a:solidFill>
+              </a:rPr>
+              <a:t>geschachtelt </a:t>
+            </a:r>
+            <a:r>
+              <a:rPr lang="de-DE" dirty="0"/>
+              <a:t>sein</a:t>
+            </a:r>
+          </a:p>
+        </p:txBody>
+      </p:sp>
+      <p:sp>
+        <p:nvSpPr>
+          <p:cNvPr id="2" name="Foliennummernplatzhalter 1"/>
           <p:cNvSpPr>
             <a:spLocks noGrp="1"/>
           </p:cNvSpPr>
@@ -10818,60 +10828,6 @@
           </a:p>
         </p:txBody>
       </p:sp>
-      <p:pic>
-        <p:nvPicPr>
-          <p:cNvPr id="18435" name="Picture 3"/>
-          <p:cNvPicPr>
-            <a:picLocks noChangeAspect="1" noChangeArrowheads="1"/>
-          </p:cNvPicPr>
-          <p:nvPr/>
-        </p:nvPicPr>
-        <p:blipFill>
-          <a:blip r:embed="rId2">
-            <a:extLst>
-              <a:ext uri="{28A0092B-C50C-407E-A947-70E740481C1C}">
-                <a14:useLocalDpi xmlns:a14="http://schemas.microsoft.com/office/drawing/2010/main" val="0"/>
-              </a:ext>
-            </a:extLst>
-          </a:blip>
-          <a:srcRect/>
-          <a:stretch>
-            <a:fillRect/>
-          </a:stretch>
-        </p:blipFill>
-        <p:spPr bwMode="auto">
-          <a:xfrm>
-            <a:off x="1752600" y="2270844"/>
-            <a:ext cx="8688388" cy="4254500"/>
-          </a:xfrm>
-          <a:prstGeom prst="rect">
-            <a:avLst/>
-          </a:prstGeom>
-          <a:noFill/>
-          <a:ln>
-            <a:noFill/>
-          </a:ln>
-          <a:extLst>
-            <a:ext uri="{909E8E84-426E-40DD-AFC4-6F175D3DCCD1}">
-              <a14:hiddenFill xmlns:a14="http://schemas.microsoft.com/office/drawing/2010/main">
-                <a:solidFill>
-                  <a:srgbClr val="FFFFFF"/>
-                </a:solidFill>
-              </a14:hiddenFill>
-            </a:ext>
-            <a:ext uri="{91240B29-F687-4F45-9708-019B960494DF}">
-              <a14:hiddenLine xmlns:a14="http://schemas.microsoft.com/office/drawing/2010/main" w="9525">
-                <a:solidFill>
-                  <a:srgbClr val="000000"/>
-                </a:solidFill>
-                <a:miter lim="800000"/>
-                <a:headEnd/>
-                <a:tailEnd/>
-              </a14:hiddenLine>
-            </a:ext>
-          </a:extLst>
-        </p:spPr>
-      </p:pic>
     </p:spTree>
   </p:cSld>
   <p:clrMapOvr>
@@ -11101,7 +11057,7 @@
         </p:blipFill>
         <p:spPr bwMode="auto">
           <a:xfrm>
-            <a:off x="2362200" y="3276600"/>
+            <a:off x="3147938" y="3967460"/>
             <a:ext cx="7480300" cy="2870200"/>
           </a:xfrm>
           <a:prstGeom prst="rect">
@@ -11925,11 +11881,23 @@
                   <a:srgbClr val="7F0101"/>
                 </a:solidFill>
               </a:rPr>
-              <a:t>Antwort auf ein externes Ereignis</a:t>
+              <a:t>Antwort auf ein externes </a:t>
+            </a:r>
+            <a:r>
+              <a:rPr lang="de-DE" i="1" dirty="0" smtClean="0">
+                <a:solidFill>
+                  <a:srgbClr val="7F0101"/>
+                </a:solidFill>
+              </a:rPr>
+              <a:t>Ereignis</a:t>
+            </a:r>
+            <a:r>
+              <a:rPr lang="de-DE" dirty="0" smtClean="0"/>
+              <a:t>, </a:t>
             </a:r>
             <a:r>
               <a:rPr lang="de-DE" dirty="0"/>
-              <a:t> welches das Objekt in einem </a:t>
+              <a:t>welches das Objekt in einem </a:t>
             </a:r>
             <a:r>
               <a:rPr lang="de-DE" i="1" dirty="0">
@@ -12390,11 +12358,27 @@
                   <a:srgbClr val="7F0101"/>
                 </a:solidFill>
               </a:rPr>
-              <a:t>atomare Aktion</a:t>
+              <a:t>atomare </a:t>
+            </a:r>
+            <a:r>
+              <a:rPr lang="de-DE" i="1" dirty="0" smtClean="0">
+                <a:solidFill>
+                  <a:srgbClr val="7F0101"/>
+                </a:solidFill>
+              </a:rPr>
+              <a:t>Aktion</a:t>
+            </a:r>
+            <a:r>
+              <a:rPr lang="de-DE" i="1" dirty="0" smtClean="0"/>
+              <a:t>,</a:t>
+            </a:r>
+            <a:r>
+              <a:rPr lang="de-DE" dirty="0" smtClean="0"/>
+              <a:t> </a:t>
             </a:r>
             <a:r>
               <a:rPr lang="de-DE" dirty="0"/>
-              <a:t> angestoßen von einer Transition</a:t>
+              <a:t>angestoßen von einer Transition</a:t>
             </a:r>
           </a:p>
           <a:p>
@@ -12438,11 +12422,31 @@
                   <a:srgbClr val="7F0101"/>
                 </a:solidFill>
               </a:rPr>
-              <a:t>laufende Operation</a:t>
+              <a:t>laufende </a:t>
+            </a:r>
+            <a:r>
+              <a:rPr lang="de-DE" i="1" dirty="0" smtClean="0">
+                <a:solidFill>
+                  <a:srgbClr val="7F0101"/>
+                </a:solidFill>
+              </a:rPr>
+              <a:t>Operation</a:t>
+            </a:r>
+            <a:r>
+              <a:rPr lang="de-DE" dirty="0" smtClean="0"/>
+              <a:t>, </a:t>
             </a:r>
             <a:r>
               <a:rPr lang="de-DE" dirty="0"/>
-              <a:t> die dann läuft, während ein Objekt in einem bestimmten Zustand ist</a:t>
+              <a:t>die </a:t>
+            </a:r>
+            <a:r>
+              <a:rPr lang="de-DE" dirty="0" smtClean="0"/>
+              <a:t>läuft</a:t>
+            </a:r>
+            <a:r>
+              <a:rPr lang="de-DE" dirty="0"/>
+              <a:t>, während ein Objekt in einem bestimmten Zustand ist</a:t>
             </a:r>
           </a:p>
           <a:p>
@@ -12694,7 +12698,7 @@
       </p:sp>
       <p:sp>
         <p:nvSpPr>
-          <p:cNvPr id="4" name="Inhaltsplatzhalter 3"/>
+          <p:cNvPr id="2" name="Inhaltsplatzhalter 1"/>
           <p:cNvSpPr>
             <a:spLocks noGrp="1"/>
           </p:cNvSpPr>
@@ -12707,7 +12711,7 @@
           <a:bodyPr/>
           <a:lstStyle/>
           <a:p>
-            <a:endParaRPr lang="de-DE"/>
+            <a:endParaRPr lang="en-US"/>
           </a:p>
         </p:txBody>
       </p:sp>
@@ -12775,7 +12779,7 @@
         </p:blipFill>
         <p:spPr bwMode="auto">
           <a:xfrm>
-            <a:off x="2797176" y="1268413"/>
+            <a:off x="2797968" y="1754188"/>
             <a:ext cx="6596063" cy="5103812"/>
           </a:xfrm>
           <a:prstGeom prst="rect">
@@ -14505,28 +14509,6 @@
       </p:grpSpPr>
       <p:sp>
         <p:nvSpPr>
-          <p:cNvPr id="2" name="Titel 1"/>
-          <p:cNvSpPr>
-            <a:spLocks noGrp="1"/>
-          </p:cNvSpPr>
-          <p:nvPr>
-            <p:ph type="title"/>
-          </p:nvPr>
-        </p:nvSpPr>
-        <p:spPr/>
-        <p:txBody>
-          <a:bodyPr/>
-          <a:lstStyle/>
-          <a:p>
-            <a:r>
-              <a:rPr lang="de-DE" dirty="0"/>
-              <a:t>Aufgabe</a:t>
-            </a:r>
-          </a:p>
-        </p:txBody>
-      </p:sp>
-      <p:sp>
-        <p:nvSpPr>
           <p:cNvPr id="3" name="Inhaltsplatzhalter 2"/>
           <p:cNvSpPr>
             <a:spLocks noGrp="1"/>
@@ -14573,6 +14555,28 @@
               <a:t>24</a:t>
             </a:fld>
             <a:endParaRPr lang="de-DE"/>
+          </a:p>
+        </p:txBody>
+      </p:sp>
+      <p:sp>
+        <p:nvSpPr>
+          <p:cNvPr id="2" name="Titel 1"/>
+          <p:cNvSpPr>
+            <a:spLocks noGrp="1"/>
+          </p:cNvSpPr>
+          <p:nvPr>
+            <p:ph type="title"/>
+          </p:nvPr>
+        </p:nvSpPr>
+        <p:spPr/>
+        <p:txBody>
+          <a:bodyPr/>
+          <a:lstStyle/>
+          <a:p>
+            <a:r>
+              <a:rPr lang="de-DE" dirty="0"/>
+              <a:t>Aufgabe</a:t>
+            </a:r>
           </a:p>
         </p:txBody>
       </p:sp>
@@ -14608,29 +14612,7 @@
       </p:grpSpPr>
       <p:sp>
         <p:nvSpPr>
-          <p:cNvPr id="2" name="Titel 1"/>
-          <p:cNvSpPr>
-            <a:spLocks noGrp="1"/>
-          </p:cNvSpPr>
-          <p:nvPr>
-            <p:ph type="title"/>
-          </p:nvPr>
-        </p:nvSpPr>
-        <p:spPr/>
-        <p:txBody>
-          <a:bodyPr/>
-          <a:lstStyle/>
-          <a:p>
-            <a:r>
-              <a:rPr lang="de-DE" dirty="0"/>
-              <a:t>Aufgabe</a:t>
-            </a:r>
-          </a:p>
-        </p:txBody>
-      </p:sp>
-      <p:sp>
-        <p:nvSpPr>
-          <p:cNvPr id="3" name="Inhaltsplatzhalter 2"/>
+          <p:cNvPr id="6" name="Inhaltsplatzhalter 5"/>
           <p:cNvSpPr>
             <a:spLocks noGrp="1"/>
           </p:cNvSpPr>
@@ -14643,7 +14625,7 @@
           <a:bodyPr/>
           <a:lstStyle/>
           <a:p>
-            <a:endParaRPr lang="de-DE"/>
+            <a:endParaRPr lang="en-US"/>
           </a:p>
         </p:txBody>
       </p:sp>
@@ -14673,6 +14655,28 @@
               <a:t>25</a:t>
             </a:fld>
             <a:endParaRPr lang="de-DE"/>
+          </a:p>
+        </p:txBody>
+      </p:sp>
+      <p:sp>
+        <p:nvSpPr>
+          <p:cNvPr id="2" name="Titel 1"/>
+          <p:cNvSpPr>
+            <a:spLocks noGrp="1"/>
+          </p:cNvSpPr>
+          <p:nvPr>
+            <p:ph type="title"/>
+          </p:nvPr>
+        </p:nvSpPr>
+        <p:spPr/>
+        <p:txBody>
+          <a:bodyPr/>
+          <a:lstStyle/>
+          <a:p>
+            <a:r>
+              <a:rPr lang="de-DE" dirty="0"/>
+              <a:t>Aufgabe</a:t>
+            </a:r>
           </a:p>
         </p:txBody>
       </p:sp>
@@ -15724,30 +15728,6 @@
       </p:grpSpPr>
       <p:sp>
         <p:nvSpPr>
-          <p:cNvPr id="30722" name="Rectangle 4"/>
-          <p:cNvSpPr>
-            <a:spLocks noGrp="1" noChangeArrowheads="1"/>
-          </p:cNvSpPr>
-          <p:nvPr>
-            <p:ph type="title"/>
-          </p:nvPr>
-        </p:nvSpPr>
-        <p:spPr/>
-        <p:txBody>
-          <a:bodyPr vert="horz" lIns="0" tIns="0" rIns="0" bIns="0" rtlCol="0" anchor="ctr">
-            <a:noAutofit/>
-          </a:bodyPr>
-          <a:lstStyle/>
-          <a:p>
-            <a:r>
-              <a:rPr lang="de-DE" dirty="0"/>
-              <a:t>Was Ihr mitgenommen haben solltet</a:t>
-            </a:r>
-          </a:p>
-        </p:txBody>
-      </p:sp>
-      <p:sp>
-        <p:nvSpPr>
           <p:cNvPr id="30723" name="Rectangle 5"/>
           <p:cNvSpPr>
             <a:spLocks noGrp="1" noChangeArrowheads="1"/>
@@ -15817,8 +15797,28 @@
             <a:pPr marL="419100" indent="-419100"/>
             <a:r>
               <a:rPr lang="de-DE" dirty="0"/>
-              <a:t>Was ist der Unterschied zwischen “externen” und “internen” Transitionen?</a:t>
-            </a:r>
+              <a:t>Was ist der Unterschied zwischen “externen” und “internen” Transitionen</a:t>
+            </a:r>
+            <a:r>
+              <a:rPr lang="de-DE" dirty="0" smtClean="0"/>
+              <a:t>?</a:t>
+            </a:r>
+          </a:p>
+          <a:p>
+            <a:pPr marL="419100" indent="-419100"/>
+            <a:r>
+              <a:rPr lang="de-DE" dirty="0" smtClean="0"/>
+              <a:t>Leiten Sie aus einer Anforderungsbeschreibung/CRC-Karten ein Klassendiagramm, ein </a:t>
+            </a:r>
+            <a:r>
+              <a:rPr lang="de-DE" dirty="0" err="1" smtClean="0"/>
+              <a:t>Use</a:t>
+            </a:r>
+            <a:r>
+              <a:rPr lang="de-DE" dirty="0" smtClean="0"/>
+              <a:t>-Case-Diagramm, ein Sequenz-Diagramm und ein Zustandsdiagramm ab</a:t>
+            </a:r>
+            <a:endParaRPr lang="de-DE" dirty="0"/>
           </a:p>
         </p:txBody>
       </p:sp>
@@ -15860,6 +15860,43 @@
                 </a:prstClr>
               </a:solidFill>
             </a:endParaRPr>
+          </a:p>
+        </p:txBody>
+      </p:sp>
+      <p:sp>
+        <p:nvSpPr>
+          <p:cNvPr id="30722" name="Rectangle 4"/>
+          <p:cNvSpPr>
+            <a:spLocks noGrp="1" noChangeArrowheads="1"/>
+          </p:cNvSpPr>
+          <p:nvPr>
+            <p:ph type="title"/>
+          </p:nvPr>
+        </p:nvSpPr>
+        <p:spPr/>
+        <p:txBody>
+          <a:bodyPr vert="horz" lIns="0" tIns="0" rIns="0" bIns="0" rtlCol="0" anchor="ctr">
+            <a:noAutofit/>
+          </a:bodyPr>
+          <a:lstStyle/>
+          <a:p>
+            <a:r>
+              <a:rPr lang="de-DE" dirty="0"/>
+              <a:t>Was </a:t>
+            </a:r>
+            <a:r>
+              <a:rPr lang="de-DE" dirty="0" smtClean="0"/>
+              <a:t>Sie </a:t>
+            </a:r>
+            <a:r>
+              <a:rPr lang="de-DE" dirty="0"/>
+              <a:t>mitgenommen haben </a:t>
+            </a:r>
+            <a:r>
+              <a:rPr lang="de-DE" dirty="0" smtClean="0"/>
+              <a:t>sollten</a:t>
+            </a:r>
+            <a:endParaRPr lang="de-DE" dirty="0"/>
           </a:p>
         </p:txBody>
       </p:sp>
@@ -17104,14 +17141,20 @@
               <a:buSzTx/>
             </a:pPr>
             <a:r>
-              <a:rPr lang="de-DE" sz="4800" b="0" dirty="0">
+              <a:rPr lang="de-DE" sz="4800" b="0" dirty="0" smtClean="0">
                 <a:solidFill>
                   <a:prstClr val="white"/>
                 </a:solidFill>
                 <a:latin typeface="Calibri" pitchFamily="34" charset="0"/>
               </a:rPr>
-              <a:t>Sequenz Diagramme</a:t>
-            </a:r>
+              <a:t>Sequenz-Diagramme</a:t>
+            </a:r>
+            <a:endParaRPr lang="de-DE" sz="4800" b="0" dirty="0">
+              <a:solidFill>
+                <a:prstClr val="white"/>
+              </a:solidFill>
+              <a:latin typeface="Calibri" pitchFamily="34" charset="0"/>
+            </a:endParaRPr>
           </a:p>
         </p:txBody>
       </p:sp>

--- a/se/slides/04_UML_Behaviour.pptx
+++ b/se/slides/04_UML_Behaviour.pptx
@@ -3409,7 +3409,7 @@
               <a:pPr>
                 <a:defRPr/>
               </a:pPr>
-              <a:t>07.10.2019</a:t>
+              <a:t>30.10.2019</a:t>
             </a:fld>
             <a:endParaRPr lang="de-DE" dirty="0"/>
           </a:p>
@@ -3801,7 +3801,7 @@
                   </a:prstClr>
                 </a:solidFill>
               </a:rPr>
-              <a:t>07.10.2019</a:t>
+              <a:t>30.10.2019</a:t>
             </a:fld>
             <a:endParaRPr lang="de-DE">
               <a:solidFill>
@@ -4110,7 +4110,7 @@
                   </a:prstClr>
                 </a:solidFill>
               </a:rPr>
-              <a:t>07.10.2019</a:t>
+              <a:t>30.10.2019</a:t>
             </a:fld>
             <a:endParaRPr lang="de-DE">
               <a:solidFill>
@@ -4412,7 +4412,7 @@
               <a:pPr>
                 <a:defRPr/>
               </a:pPr>
-              <a:t>07.10.2019</a:t>
+              <a:t>30.10.2019</a:t>
             </a:fld>
             <a:endParaRPr lang="de-DE" dirty="0"/>
           </a:p>
@@ -4803,7 +4803,7 @@
               <a:pPr>
                 <a:defRPr/>
               </a:pPr>
-              <a:t>07.10.2019</a:t>
+              <a:t>30.10.2019</a:t>
             </a:fld>
             <a:endParaRPr lang="de-DE"/>
           </a:p>
@@ -5197,7 +5197,7 @@
               <a:pPr>
                 <a:defRPr/>
               </a:pPr>
-              <a:t>07.10.2019</a:t>
+              <a:t>30.10.2019</a:t>
             </a:fld>
             <a:endParaRPr lang="de-DE" dirty="0"/>
           </a:p>
@@ -5816,7 +5816,7 @@
               <a:pPr>
                 <a:defRPr/>
               </a:pPr>
-              <a:t>07.10.2019</a:t>
+              <a:t>30.10.2019</a:t>
             </a:fld>
             <a:endParaRPr lang="de-DE"/>
           </a:p>
@@ -6128,7 +6128,7 @@
               <a:pPr>
                 <a:defRPr/>
               </a:pPr>
-              <a:t>07.10.2019</a:t>
+              <a:t>30.10.2019</a:t>
             </a:fld>
             <a:endParaRPr lang="de-DE"/>
           </a:p>
@@ -6413,7 +6413,7 @@
                   </a:prstClr>
                 </a:solidFill>
               </a:rPr>
-              <a:t>07.10.2019</a:t>
+              <a:t>30.10.2019</a:t>
             </a:fld>
             <a:endParaRPr lang="de-DE">
               <a:solidFill>
@@ -6749,7 +6749,7 @@
             </a:pPr>
             <a:fld id="{E0ADD267-6078-40D9-BF82-79693B0644BA}" type="datetime1">
               <a:rPr lang="de-DE" smtClean="0"/>
-              <a:t>07.10.2019</a:t>
+              <a:t>30.10.2019</a:t>
             </a:fld>
             <a:endParaRPr lang="de-DE"/>
           </a:p>
@@ -7026,7 +7026,7 @@
                 <a:buClrTx/>
                 <a:buSzTx/>
               </a:pPr>
-              <a:t>07.10.2019</a:t>
+              <a:t>30.10.2019</a:t>
             </a:fld>
             <a:endParaRPr lang="de-DE" b="0">
               <a:solidFill>
@@ -7471,31 +7471,6 @@
       </p:grpSpPr>
       <p:sp>
         <p:nvSpPr>
-          <p:cNvPr id="3" name="Titel 2">
-            <a:extLst>
-              <a:ext uri="{FF2B5EF4-FFF2-40B4-BE49-F238E27FC236}">
-                <a16:creationId xmlns:a16="http://schemas.microsoft.com/office/drawing/2014/main" id="{B4EAE079-20BA-4921-9CC2-8C320F047C21}"/>
-              </a:ext>
-            </a:extLst>
-          </p:cNvPr>
-          <p:cNvSpPr>
-            <a:spLocks noGrp="1"/>
-          </p:cNvSpPr>
-          <p:nvPr>
-            <p:ph type="ctrTitle"/>
-          </p:nvPr>
-        </p:nvSpPr>
-        <p:spPr/>
-        <p:txBody>
-          <a:bodyPr/>
-          <a:lstStyle/>
-          <a:p>
-            <a:endParaRPr lang="en-US"/>
-          </a:p>
-        </p:txBody>
-      </p:sp>
-      <p:sp>
-        <p:nvSpPr>
           <p:cNvPr id="6" name="Untertitel 5">
             <a:extLst>
               <a:ext uri="{FF2B5EF4-FFF2-40B4-BE49-F238E27FC236}">
@@ -7521,215 +7496,6 @@
       </p:sp>
       <p:sp>
         <p:nvSpPr>
-          <p:cNvPr id="13" name="Untertitel 2">
-            <a:extLst>
-              <a:ext uri="{FF2B5EF4-FFF2-40B4-BE49-F238E27FC236}">
-                <a16:creationId xmlns:a16="http://schemas.microsoft.com/office/drawing/2014/main" id="{FDCDBB60-811F-414B-8C6D-0F5A850EB9C0}"/>
-              </a:ext>
-            </a:extLst>
-          </p:cNvPr>
-          <p:cNvSpPr txBox="1">
-            <a:spLocks/>
-          </p:cNvSpPr>
-          <p:nvPr/>
-        </p:nvSpPr>
-        <p:spPr>
-          <a:xfrm>
-            <a:off x="1704306" y="6525344"/>
-            <a:ext cx="6911975" cy="364996"/>
-          </a:xfrm>
-          <a:prstGeom prst="rect">
-            <a:avLst/>
-          </a:prstGeom>
-        </p:spPr>
-        <p:txBody>
-          <a:bodyPr vert="horz" lIns="91440" tIns="45720" rIns="91440" bIns="45720" rtlCol="0">
-            <a:normAutofit/>
-          </a:bodyPr>
-          <a:lstStyle>
-            <a:lvl1pPr marL="0" indent="0" algn="ctr" defTabSz="914400" rtl="0" eaLnBrk="1" latinLnBrk="0" hangingPunct="1">
-              <a:spcBef>
-                <a:spcPct val="20000"/>
-              </a:spcBef>
-              <a:buFont typeface="Arial" pitchFamily="34" charset="0"/>
-              <a:buNone/>
-              <a:defRPr sz="3200" kern="1200">
-                <a:solidFill>
-                  <a:schemeClr val="tx1">
-                    <a:tint val="75000"/>
-                  </a:schemeClr>
-                </a:solidFill>
-                <a:latin typeface="+mn-lt"/>
-                <a:ea typeface="+mn-ea"/>
-                <a:cs typeface="+mn-cs"/>
-              </a:defRPr>
-            </a:lvl1pPr>
-            <a:lvl2pPr marL="457200" indent="0" algn="ctr" defTabSz="914400" rtl="0" eaLnBrk="1" latinLnBrk="0" hangingPunct="1">
-              <a:spcBef>
-                <a:spcPct val="20000"/>
-              </a:spcBef>
-              <a:buFont typeface="Arial" pitchFamily="34" charset="0"/>
-              <a:buNone/>
-              <a:defRPr sz="2800" kern="1200">
-                <a:solidFill>
-                  <a:schemeClr val="tx1">
-                    <a:tint val="75000"/>
-                  </a:schemeClr>
-                </a:solidFill>
-                <a:latin typeface="+mn-lt"/>
-                <a:ea typeface="+mn-ea"/>
-                <a:cs typeface="+mn-cs"/>
-              </a:defRPr>
-            </a:lvl2pPr>
-            <a:lvl3pPr marL="914400" indent="0" algn="ctr" defTabSz="914400" rtl="0" eaLnBrk="1" latinLnBrk="0" hangingPunct="1">
-              <a:spcBef>
-                <a:spcPct val="20000"/>
-              </a:spcBef>
-              <a:buFont typeface="Arial" pitchFamily="34" charset="0"/>
-              <a:buNone/>
-              <a:defRPr sz="2400" kern="1200">
-                <a:solidFill>
-                  <a:schemeClr val="tx1">
-                    <a:tint val="75000"/>
-                  </a:schemeClr>
-                </a:solidFill>
-                <a:latin typeface="+mn-lt"/>
-                <a:ea typeface="+mn-ea"/>
-                <a:cs typeface="+mn-cs"/>
-              </a:defRPr>
-            </a:lvl3pPr>
-            <a:lvl4pPr marL="1371600" indent="0" algn="ctr" defTabSz="914400" rtl="0" eaLnBrk="1" latinLnBrk="0" hangingPunct="1">
-              <a:spcBef>
-                <a:spcPct val="20000"/>
-              </a:spcBef>
-              <a:buFont typeface="Arial" pitchFamily="34" charset="0"/>
-              <a:buNone/>
-              <a:defRPr sz="2000" kern="1200">
-                <a:solidFill>
-                  <a:schemeClr val="tx1">
-                    <a:tint val="75000"/>
-                  </a:schemeClr>
-                </a:solidFill>
-                <a:latin typeface="+mn-lt"/>
-                <a:ea typeface="+mn-ea"/>
-                <a:cs typeface="+mn-cs"/>
-              </a:defRPr>
-            </a:lvl4pPr>
-            <a:lvl5pPr marL="1828800" indent="0" algn="ctr" defTabSz="914400" rtl="0" eaLnBrk="1" latinLnBrk="0" hangingPunct="1">
-              <a:spcBef>
-                <a:spcPct val="20000"/>
-              </a:spcBef>
-              <a:buFont typeface="Arial" pitchFamily="34" charset="0"/>
-              <a:buNone/>
-              <a:defRPr sz="2000" kern="1200">
-                <a:solidFill>
-                  <a:schemeClr val="tx1">
-                    <a:tint val="75000"/>
-                  </a:schemeClr>
-                </a:solidFill>
-                <a:latin typeface="+mn-lt"/>
-                <a:ea typeface="+mn-ea"/>
-                <a:cs typeface="+mn-cs"/>
-              </a:defRPr>
-            </a:lvl5pPr>
-            <a:lvl6pPr marL="2286000" indent="0" algn="ctr" defTabSz="914400" rtl="0" eaLnBrk="1" latinLnBrk="0" hangingPunct="1">
-              <a:spcBef>
-                <a:spcPct val="20000"/>
-              </a:spcBef>
-              <a:buFont typeface="Arial" pitchFamily="34" charset="0"/>
-              <a:buNone/>
-              <a:defRPr sz="2000" kern="1200">
-                <a:solidFill>
-                  <a:schemeClr val="tx1">
-                    <a:tint val="75000"/>
-                  </a:schemeClr>
-                </a:solidFill>
-                <a:latin typeface="+mn-lt"/>
-                <a:ea typeface="+mn-ea"/>
-                <a:cs typeface="+mn-cs"/>
-              </a:defRPr>
-            </a:lvl6pPr>
-            <a:lvl7pPr marL="2743200" indent="0" algn="ctr" defTabSz="914400" rtl="0" eaLnBrk="1" latinLnBrk="0" hangingPunct="1">
-              <a:spcBef>
-                <a:spcPct val="20000"/>
-              </a:spcBef>
-              <a:buFont typeface="Arial" pitchFamily="34" charset="0"/>
-              <a:buNone/>
-              <a:defRPr sz="2000" kern="1200">
-                <a:solidFill>
-                  <a:schemeClr val="tx1">
-                    <a:tint val="75000"/>
-                  </a:schemeClr>
-                </a:solidFill>
-                <a:latin typeface="+mn-lt"/>
-                <a:ea typeface="+mn-ea"/>
-                <a:cs typeface="+mn-cs"/>
-              </a:defRPr>
-            </a:lvl7pPr>
-            <a:lvl8pPr marL="3200400" indent="0" algn="ctr" defTabSz="914400" rtl="0" eaLnBrk="1" latinLnBrk="0" hangingPunct="1">
-              <a:spcBef>
-                <a:spcPct val="20000"/>
-              </a:spcBef>
-              <a:buFont typeface="Arial" pitchFamily="34" charset="0"/>
-              <a:buNone/>
-              <a:defRPr sz="2000" kern="1200">
-                <a:solidFill>
-                  <a:schemeClr val="tx1">
-                    <a:tint val="75000"/>
-                  </a:schemeClr>
-                </a:solidFill>
-                <a:latin typeface="+mn-lt"/>
-                <a:ea typeface="+mn-ea"/>
-                <a:cs typeface="+mn-cs"/>
-              </a:defRPr>
-            </a:lvl8pPr>
-            <a:lvl9pPr marL="3657600" indent="0" algn="ctr" defTabSz="914400" rtl="0" eaLnBrk="1" latinLnBrk="0" hangingPunct="1">
-              <a:spcBef>
-                <a:spcPct val="20000"/>
-              </a:spcBef>
-              <a:buFont typeface="Arial" pitchFamily="34" charset="0"/>
-              <a:buNone/>
-              <a:defRPr sz="2000" kern="1200">
-                <a:solidFill>
-                  <a:schemeClr val="tx1">
-                    <a:tint val="75000"/>
-                  </a:schemeClr>
-                </a:solidFill>
-                <a:latin typeface="+mn-lt"/>
-                <a:ea typeface="+mn-ea"/>
-                <a:cs typeface="+mn-cs"/>
-              </a:defRPr>
-            </a:lvl9pPr>
-          </a:lstStyle>
-          <a:p>
-            <a:pPr algn="l" fontAlgn="auto">
-              <a:lnSpc>
-                <a:spcPct val="80000"/>
-              </a:lnSpc>
-              <a:spcAft>
-                <a:spcPts val="0"/>
-              </a:spcAft>
-              <a:buClrTx/>
-              <a:buSzTx/>
-            </a:pPr>
-            <a:r>
-              <a:rPr lang="de-DE" sz="1300" b="0">
-                <a:solidFill>
-                  <a:srgbClr val="898989"/>
-                </a:solidFill>
-              </a:rPr>
-              <a:t>Basierend auf dem Material von Oscar Nierstrasz, Sven Apel, Janet Siegmund</a:t>
-            </a:r>
-            <a:endParaRPr lang="de-DE" sz="1300" b="0" dirty="0">
-              <a:solidFill>
-                <a:srgbClr val="898989"/>
-              </a:solidFill>
-            </a:endParaRPr>
-          </a:p>
-        </p:txBody>
-      </p:sp>
-      <p:sp>
-        <p:nvSpPr>
           <p:cNvPr id="14" name="Titel 6">
             <a:extLst>
               <a:ext uri="{FF2B5EF4-FFF2-40B4-BE49-F238E27FC236}">
@@ -7825,59 +7591,12 @@
           </a:p>
         </p:txBody>
       </p:sp>
-      <p:pic>
-        <p:nvPicPr>
-          <p:cNvPr id="15" name="Picture 2" descr="http://www.uni-weimar.de/medien/webis/events/pan-15/pan15-figures/logo-bauhaus-universitaet-weimar.png">
+      <p:sp>
+        <p:nvSpPr>
+          <p:cNvPr id="9" name="Untertitel 2">
             <a:extLst>
               <a:ext uri="{FF2B5EF4-FFF2-40B4-BE49-F238E27FC236}">
-                <a16:creationId xmlns:a16="http://schemas.microsoft.com/office/drawing/2014/main" id="{B959AEB1-EE11-4CFD-9172-F57A439E1FC2}"/>
-              </a:ext>
-            </a:extLst>
-          </p:cNvPr>
-          <p:cNvPicPr>
-            <a:picLocks noChangeAspect="1" noChangeArrowheads="1"/>
-          </p:cNvPicPr>
-          <p:nvPr/>
-        </p:nvPicPr>
-        <p:blipFill>
-          <a:blip r:embed="rId3">
-            <a:extLst>
-              <a:ext uri="{28A0092B-C50C-407E-A947-70E740481C1C}">
-                <a14:useLocalDpi xmlns:a14="http://schemas.microsoft.com/office/drawing/2010/main" val="0"/>
-              </a:ext>
-            </a:extLst>
-          </a:blip>
-          <a:srcRect/>
-          <a:stretch>
-            <a:fillRect/>
-          </a:stretch>
-        </p:blipFill>
-        <p:spPr bwMode="auto">
-          <a:xfrm>
-            <a:off x="5807968" y="3953006"/>
-            <a:ext cx="4283968" cy="1092560"/>
-          </a:xfrm>
-          <a:prstGeom prst="rect">
-            <a:avLst/>
-          </a:prstGeom>
-          <a:noFill/>
-          <a:extLst>
-            <a:ext uri="{909E8E84-426E-40DD-AFC4-6F175D3DCCD1}">
-              <a14:hiddenFill xmlns:a14="http://schemas.microsoft.com/office/drawing/2010/main">
-                <a:solidFill>
-                  <a:srgbClr val="FFFFFF"/>
-                </a:solidFill>
-              </a14:hiddenFill>
-            </a:ext>
-          </a:extLst>
-        </p:spPr>
-      </p:pic>
-      <p:sp>
-        <p:nvSpPr>
-          <p:cNvPr id="16" name="Untertitel 2">
-            <a:extLst>
-              <a:ext uri="{FF2B5EF4-FFF2-40B4-BE49-F238E27FC236}">
-                <a16:creationId xmlns:a16="http://schemas.microsoft.com/office/drawing/2014/main" id="{A8CF4CEB-2764-47C3-8BC0-12247A3D04B1}"/>
+                <a16:creationId xmlns:a16="http://schemas.microsoft.com/office/drawing/2014/main" id="{247F89BA-5025-4442-AB6A-042364646140}"/>
               </a:ext>
             </a:extLst>
           </p:cNvPr>
@@ -7888,8 +7607,8 @@
         </p:nvSpPr>
         <p:spPr bwMode="auto">
           <a:xfrm>
-            <a:off x="1703512" y="4293096"/>
-            <a:ext cx="6912768" cy="1752600"/>
+            <a:off x="1701676" y="5589240"/>
+            <a:ext cx="7058620" cy="1008112"/>
           </a:xfrm>
           <a:prstGeom prst="rect">
             <a:avLst/>
@@ -7907,10 +7626,9 @@
             <a:prstTxWarp prst="textNoShape">
               <a:avLst/>
             </a:prstTxWarp>
-            <a:normAutofit/>
           </a:bodyPr>
           <a:lstStyle>
-            <a:lvl1pPr marL="0" indent="0" algn="ctr" rtl="0" eaLnBrk="0" fontAlgn="base" hangingPunct="0">
+            <a:lvl1pPr marL="0" indent="0" algn="ctr" rtl="0" fontAlgn="base">
               <a:spcBef>
                 <a:spcPct val="20000"/>
               </a:spcBef>
@@ -7930,7 +7648,7 @@
                 <a:cs typeface="+mn-cs"/>
               </a:defRPr>
             </a:lvl1pPr>
-            <a:lvl2pPr marL="457200" indent="0" algn="ctr" rtl="0" eaLnBrk="0" fontAlgn="base" hangingPunct="0">
+            <a:lvl2pPr marL="457200" indent="0" algn="ctr" rtl="0" fontAlgn="base">
               <a:spcBef>
                 <a:spcPct val="20000"/>
               </a:spcBef>
@@ -7950,7 +7668,7 @@
                 <a:cs typeface="+mn-cs"/>
               </a:defRPr>
             </a:lvl2pPr>
-            <a:lvl3pPr marL="914400" indent="0" algn="ctr" rtl="0" eaLnBrk="0" fontAlgn="base" hangingPunct="0">
+            <a:lvl3pPr marL="914400" indent="0" algn="ctr" rtl="0" fontAlgn="base">
               <a:spcBef>
                 <a:spcPct val="20000"/>
               </a:spcBef>
@@ -7970,7 +7688,7 @@
                 <a:cs typeface="+mn-cs"/>
               </a:defRPr>
             </a:lvl3pPr>
-            <a:lvl4pPr marL="1371600" indent="0" algn="ctr" rtl="0" eaLnBrk="0" fontAlgn="base" hangingPunct="0">
+            <a:lvl4pPr marL="1371600" indent="0" algn="ctr" rtl="0" fontAlgn="base">
               <a:spcBef>
                 <a:spcPct val="20000"/>
               </a:spcBef>
@@ -7990,7 +7708,7 @@
                 <a:cs typeface="+mn-cs"/>
               </a:defRPr>
             </a:lvl4pPr>
-            <a:lvl5pPr marL="1828800" indent="0" algn="ctr" rtl="0" eaLnBrk="0" fontAlgn="base" hangingPunct="0">
+            <a:lvl5pPr marL="1828800" indent="0" algn="ctr" rtl="0" fontAlgn="base">
               <a:spcBef>
                 <a:spcPct val="20000"/>
               </a:spcBef>
@@ -8080,69 +7798,245 @@
             </a:lvl9pPr>
           </a:lstStyle>
           <a:p>
-            <a:pPr algn="l"/>
-            <a:endParaRPr lang="de-DE" sz="1400" dirty="0"/>
-          </a:p>
-          <a:p>
-            <a:pPr algn="l"/>
-            <a:endParaRPr lang="de-DE" sz="1400" dirty="0"/>
-          </a:p>
-          <a:p>
-            <a:pPr algn="l"/>
-            <a:r>
-              <a:rPr lang="de-DE" sz="1400" dirty="0"/>
-              <a:t>Prof. Dr.-Ing. Norbert Siegmund</a:t>
-            </a:r>
-          </a:p>
-          <a:p>
-            <a:pPr algn="l"/>
-            <a:r>
-              <a:rPr lang="de-DE" sz="1400" dirty="0"/>
-              <a:t>Intelligent Software Systems</a:t>
-            </a:r>
-          </a:p>
-          <a:p>
-            <a:pPr algn="l"/>
-            <a:endParaRPr lang="de-DE" sz="1400" dirty="0"/>
-          </a:p>
-        </p:txBody>
-      </p:sp>
-      <p:pic>
-        <p:nvPicPr>
-          <p:cNvPr id="17" name="Grafik 16">
-            <a:extLst>
-              <a:ext uri="{FF2B5EF4-FFF2-40B4-BE49-F238E27FC236}">
-                <a16:creationId xmlns:a16="http://schemas.microsoft.com/office/drawing/2014/main" id="{3F1FEBE8-B51B-418D-9F3E-298878440BFD}"/>
-              </a:ext>
-            </a:extLst>
-          </p:cNvPr>
-          <p:cNvPicPr>
-            <a:picLocks noChangeAspect="1"/>
-          </p:cNvPicPr>
-          <p:nvPr/>
-        </p:nvPicPr>
-        <p:blipFill>
-          <a:blip r:embed="rId4">
-            <a:extLst>
-              <a:ext uri="{28A0092B-C50C-407E-A947-70E740481C1C}">
-                <a14:useLocalDpi xmlns:a14="http://schemas.microsoft.com/office/drawing/2010/main" val="0"/>
-              </a:ext>
-            </a:extLst>
-          </a:blip>
-          <a:stretch>
-            <a:fillRect/>
-          </a:stretch>
-        </p:blipFill>
-        <p:spPr>
-          <a:xfrm>
-            <a:off x="2210296" y="2663375"/>
-            <a:ext cx="2844824" cy="2515326"/>
-          </a:xfrm>
-          <a:prstGeom prst="rect">
-            <a:avLst/>
-          </a:prstGeom>
-        </p:spPr>
-      </p:pic>
+            <a:pPr marL="0" marR="0" lvl="0" indent="0" algn="l" defTabSz="914400" rtl="0" eaLnBrk="1" fontAlgn="base" latinLnBrk="0" hangingPunct="1">
+              <a:lnSpc>
+                <a:spcPct val="80000"/>
+              </a:lnSpc>
+              <a:spcBef>
+                <a:spcPct val="20000"/>
+              </a:spcBef>
+              <a:spcAft>
+                <a:spcPct val="0"/>
+              </a:spcAft>
+              <a:buClrTx/>
+              <a:buSzTx/>
+              <a:buFont typeface="Arial" charset="0"/>
+              <a:buNone/>
+              <a:tabLst/>
+              <a:defRPr/>
+            </a:pPr>
+            <a:r>
+              <a:rPr kumimoji="0" lang="de-DE" sz="1200" b="0" i="0" u="none" strike="noStrike" kern="1200" cap="none" spc="0" normalizeH="0" baseline="0" noProof="0" dirty="0" err="1" smtClean="0">
+                <a:ln>
+                  <a:noFill/>
+                </a:ln>
+                <a:solidFill>
+                  <a:srgbClr val="898989"/>
+                </a:solidFill>
+                <a:effectLst/>
+                <a:uLnTx/>
+                <a:uFillTx/>
+                <a:latin typeface="Calibri"/>
+                <a:ea typeface="+mn-ea"/>
+                <a:cs typeface="+mn-cs"/>
+              </a:rPr>
+              <a:t>Authors</a:t>
+            </a:r>
+            <a:r>
+              <a:rPr kumimoji="0" lang="de-DE" sz="1200" b="0" i="0" u="none" strike="noStrike" kern="1200" cap="none" spc="0" normalizeH="0" baseline="0" noProof="0" dirty="0" smtClean="0">
+                <a:ln>
+                  <a:noFill/>
+                </a:ln>
+                <a:solidFill>
+                  <a:srgbClr val="898989"/>
+                </a:solidFill>
+                <a:effectLst/>
+                <a:uLnTx/>
+                <a:uFillTx/>
+                <a:latin typeface="Calibri"/>
+                <a:ea typeface="+mn-ea"/>
+                <a:cs typeface="+mn-cs"/>
+              </a:rPr>
+              <a:t> </a:t>
+            </a:r>
+            <a:r>
+              <a:rPr kumimoji="0" lang="de-DE" sz="1200" b="0" i="0" u="none" strike="noStrike" kern="1200" cap="none" spc="0" normalizeH="0" baseline="0" noProof="0" dirty="0" err="1" smtClean="0">
+                <a:ln>
+                  <a:noFill/>
+                </a:ln>
+                <a:solidFill>
+                  <a:srgbClr val="898989"/>
+                </a:solidFill>
+                <a:effectLst/>
+                <a:uLnTx/>
+                <a:uFillTx/>
+                <a:latin typeface="Calibri"/>
+                <a:ea typeface="+mn-ea"/>
+                <a:cs typeface="+mn-cs"/>
+              </a:rPr>
+              <a:t>of</a:t>
+            </a:r>
+            <a:r>
+              <a:rPr kumimoji="0" lang="de-DE" sz="1200" b="0" i="0" u="none" strike="noStrike" kern="1200" cap="none" spc="0" normalizeH="0" baseline="0" noProof="0" dirty="0" smtClean="0">
+                <a:ln>
+                  <a:noFill/>
+                </a:ln>
+                <a:solidFill>
+                  <a:srgbClr val="898989"/>
+                </a:solidFill>
+                <a:effectLst/>
+                <a:uLnTx/>
+                <a:uFillTx/>
+                <a:latin typeface="Calibri"/>
+                <a:ea typeface="+mn-ea"/>
+                <a:cs typeface="+mn-cs"/>
+              </a:rPr>
+              <a:t> </a:t>
+            </a:r>
+            <a:r>
+              <a:rPr kumimoji="0" lang="de-DE" sz="1200" b="0" i="0" u="none" strike="noStrike" kern="1200" cap="none" spc="0" normalizeH="0" baseline="0" noProof="0" dirty="0" err="1" smtClean="0">
+                <a:ln>
+                  <a:noFill/>
+                </a:ln>
+                <a:solidFill>
+                  <a:srgbClr val="898989"/>
+                </a:solidFill>
+                <a:effectLst/>
+                <a:uLnTx/>
+                <a:uFillTx/>
+                <a:latin typeface="Calibri"/>
+                <a:ea typeface="+mn-ea"/>
+                <a:cs typeface="+mn-cs"/>
+              </a:rPr>
+              <a:t>slides</a:t>
+            </a:r>
+            <a:r>
+              <a:rPr kumimoji="0" lang="de-DE" sz="1200" b="0" i="0" u="none" strike="noStrike" kern="1200" cap="none" spc="0" normalizeH="0" baseline="0" noProof="0" dirty="0" smtClean="0">
+                <a:ln>
+                  <a:noFill/>
+                </a:ln>
+                <a:solidFill>
+                  <a:srgbClr val="898989"/>
+                </a:solidFill>
+                <a:effectLst/>
+                <a:uLnTx/>
+                <a:uFillTx/>
+                <a:latin typeface="Calibri"/>
+                <a:ea typeface="+mn-ea"/>
+                <a:cs typeface="+mn-cs"/>
+              </a:rPr>
+              <a:t>:</a:t>
+            </a:r>
+          </a:p>
+          <a:p>
+            <a:pPr lvl="0" algn="l">
+              <a:lnSpc>
+                <a:spcPct val="80000"/>
+              </a:lnSpc>
+            </a:pPr>
+            <a:r>
+              <a:rPr lang="de-DE" sz="1200" dirty="0">
+                <a:solidFill>
+                  <a:srgbClr val="898989"/>
+                </a:solidFill>
+              </a:rPr>
+              <a:t>Norbert Siegmund </a:t>
+            </a:r>
+            <a:endParaRPr lang="de-DE" sz="1200" dirty="0" smtClean="0">
+              <a:solidFill>
+                <a:srgbClr val="898989"/>
+              </a:solidFill>
+            </a:endParaRPr>
+          </a:p>
+          <a:p>
+            <a:pPr lvl="0" algn="l">
+              <a:lnSpc>
+                <a:spcPct val="80000"/>
+              </a:lnSpc>
+            </a:pPr>
+            <a:r>
+              <a:rPr lang="de-DE" sz="1200" dirty="0" smtClean="0">
+                <a:solidFill>
+                  <a:srgbClr val="898989"/>
+                </a:solidFill>
+              </a:rPr>
+              <a:t>Janet </a:t>
+            </a:r>
+            <a:r>
+              <a:rPr kumimoji="0" lang="de-DE" sz="1200" b="0" i="0" u="none" strike="noStrike" kern="1200" cap="none" spc="0" normalizeH="0" baseline="0" noProof="0" dirty="0" smtClean="0">
+                <a:ln>
+                  <a:noFill/>
+                </a:ln>
+                <a:solidFill>
+                  <a:srgbClr val="898989"/>
+                </a:solidFill>
+                <a:effectLst/>
+                <a:uLnTx/>
+                <a:uFillTx/>
+                <a:latin typeface="Calibri"/>
+                <a:ea typeface="+mn-ea"/>
+                <a:cs typeface="+mn-cs"/>
+              </a:rPr>
+              <a:t>Siegmund</a:t>
+            </a:r>
+          </a:p>
+          <a:p>
+            <a:pPr lvl="0" algn="l">
+              <a:lnSpc>
+                <a:spcPct val="80000"/>
+              </a:lnSpc>
+            </a:pPr>
+            <a:r>
+              <a:rPr lang="de-DE" sz="1200" dirty="0" smtClean="0">
+                <a:solidFill>
+                  <a:srgbClr val="898989"/>
+                </a:solidFill>
+              </a:rPr>
+              <a:t>Oscar </a:t>
+            </a:r>
+            <a:r>
+              <a:rPr lang="de-DE" sz="1200" dirty="0" err="1" smtClean="0">
+                <a:solidFill>
+                  <a:srgbClr val="898989"/>
+                </a:solidFill>
+              </a:rPr>
+              <a:t>Nierstrasz</a:t>
+            </a:r>
+            <a:endParaRPr lang="de-DE" sz="1200" dirty="0" smtClean="0">
+              <a:solidFill>
+                <a:srgbClr val="898989"/>
+              </a:solidFill>
+            </a:endParaRPr>
+          </a:p>
+          <a:p>
+            <a:pPr lvl="0" algn="l">
+              <a:lnSpc>
+                <a:spcPct val="80000"/>
+              </a:lnSpc>
+            </a:pPr>
+            <a:r>
+              <a:rPr lang="de-DE" sz="1200" dirty="0" smtClean="0">
+                <a:solidFill>
+                  <a:srgbClr val="898989"/>
+                </a:solidFill>
+              </a:rPr>
+              <a:t>Sven </a:t>
+            </a:r>
+            <a:r>
+              <a:rPr lang="de-DE" sz="1200" dirty="0">
+                <a:solidFill>
+                  <a:srgbClr val="898989"/>
+                </a:solidFill>
+              </a:rPr>
+              <a:t>Apel</a:t>
+            </a:r>
+            <a:endParaRPr kumimoji="0" lang="de-DE" sz="1200" b="0" i="0" u="none" strike="noStrike" kern="1200" cap="none" spc="0" normalizeH="0" baseline="0" noProof="0" dirty="0">
+              <a:ln>
+                <a:noFill/>
+              </a:ln>
+              <a:solidFill>
+                <a:srgbClr val="898989"/>
+              </a:solidFill>
+              <a:effectLst/>
+              <a:uLnTx/>
+              <a:uFillTx/>
+              <a:latin typeface="Calibri"/>
+              <a:ea typeface="+mn-ea"/>
+              <a:cs typeface="+mn-cs"/>
+            </a:endParaRPr>
+          </a:p>
+        </p:txBody>
+      </p:sp>
     </p:spTree>
     <p:extLst>
       <p:ext uri="{BB962C8B-B14F-4D97-AF65-F5344CB8AC3E}">
@@ -8976,11 +8870,11 @@
   <p:clrMapOvr>
     <a:masterClrMapping/>
   </p:clrMapOvr>
-  <mc:AlternateContent xmlns:mc="http://schemas.openxmlformats.org/markup-compatibility/2006">
-    <mc:Choice xmlns:p14="http://schemas.microsoft.com/office/powerpoint/2010/main" Requires="p14">
+  <mc:AlternateContent xmlns:mc="http://schemas.openxmlformats.org/markup-compatibility/2006" xmlns:p14="http://schemas.microsoft.com/office/powerpoint/2010/main">
+    <mc:Choice Requires="p14">
       <p:transition spd="slow" p14:dur="2000"/>
     </mc:Choice>
-    <mc:Fallback>
+    <mc:Fallback xmlns="">
       <p:transition spd="slow"/>
     </mc:Fallback>
   </mc:AlternateContent>
@@ -9203,11 +9097,11 @@
   <p:clrMapOvr>
     <a:masterClrMapping/>
   </p:clrMapOvr>
-  <mc:AlternateContent xmlns:mc="http://schemas.openxmlformats.org/markup-compatibility/2006">
-    <mc:Choice xmlns:p14="http://schemas.microsoft.com/office/powerpoint/2010/main" Requires="p14">
+  <mc:AlternateContent xmlns:mc="http://schemas.openxmlformats.org/markup-compatibility/2006" xmlns:p14="http://schemas.microsoft.com/office/powerpoint/2010/main">
+    <mc:Choice Requires="p14">
       <p:transition spd="slow" p14:dur="2000"/>
     </mc:Choice>
-    <mc:Fallback>
+    <mc:Fallback xmlns="">
       <p:transition spd="slow"/>
     </mc:Fallback>
   </mc:AlternateContent>
@@ -9626,11 +9520,11 @@
   <p:clrMapOvr>
     <a:masterClrMapping/>
   </p:clrMapOvr>
-  <mc:AlternateContent xmlns:mc="http://schemas.openxmlformats.org/markup-compatibility/2006">
-    <mc:Choice xmlns:p14="http://schemas.microsoft.com/office/powerpoint/2010/main" Requires="p14">
+  <mc:AlternateContent xmlns:mc="http://schemas.openxmlformats.org/markup-compatibility/2006" xmlns:p14="http://schemas.microsoft.com/office/powerpoint/2010/main">
+    <mc:Choice Requires="p14">
       <p:transition spd="slow" p14:dur="2000"/>
     </mc:Choice>
-    <mc:Fallback>
+    <mc:Fallback xmlns="">
       <p:transition spd="slow"/>
     </mc:Fallback>
   </mc:AlternateContent>
@@ -14714,11 +14608,11 @@
   <p:clrMapOvr>
     <a:masterClrMapping/>
   </p:clrMapOvr>
-  <mc:AlternateContent xmlns:mc="http://schemas.openxmlformats.org/markup-compatibility/2006">
-    <mc:Choice xmlns:p14="http://schemas.microsoft.com/office/powerpoint/2010/main" Requires="p14">
+  <mc:AlternateContent xmlns:mc="http://schemas.openxmlformats.org/markup-compatibility/2006" xmlns:p14="http://schemas.microsoft.com/office/powerpoint/2010/main">
+    <mc:Choice Requires="p14">
       <p:transition spd="slow" p14:dur="2000"/>
     </mc:Choice>
-    <mc:Fallback>
+    <mc:Fallback xmlns="">
       <p:transition spd="slow"/>
     </mc:Fallback>
   </mc:AlternateContent>
@@ -14885,11 +14779,11 @@
   <p:clrMapOvr>
     <a:masterClrMapping/>
   </p:clrMapOvr>
-  <mc:AlternateContent xmlns:mc="http://schemas.openxmlformats.org/markup-compatibility/2006">
-    <mc:Choice xmlns:p14="http://schemas.microsoft.com/office/powerpoint/2010/main" Requires="p14">
+  <mc:AlternateContent xmlns:mc="http://schemas.openxmlformats.org/markup-compatibility/2006" xmlns:p14="http://schemas.microsoft.com/office/powerpoint/2010/main">
+    <mc:Choice Requires="p14">
       <p:transition spd="slow" p14:dur="2000"/>
     </mc:Choice>
-    <mc:Fallback>
+    <mc:Fallback xmlns="">
       <p:transition spd="slow"/>
     </mc:Fallback>
   </mc:AlternateContent>
@@ -15089,11 +14983,11 @@
   <p:clrMapOvr>
     <a:masterClrMapping/>
   </p:clrMapOvr>
-  <mc:AlternateContent xmlns:mc="http://schemas.openxmlformats.org/markup-compatibility/2006">
-    <mc:Choice xmlns:p14="http://schemas.microsoft.com/office/powerpoint/2010/main" Requires="p14">
+  <mc:AlternateContent xmlns:mc="http://schemas.openxmlformats.org/markup-compatibility/2006" xmlns:p14="http://schemas.microsoft.com/office/powerpoint/2010/main">
+    <mc:Choice Requires="p14">
       <p:transition spd="slow" p14:dur="2000"/>
     </mc:Choice>
-    <mc:Fallback>
+    <mc:Fallback xmlns="">
       <p:transition spd="slow"/>
     </mc:Fallback>
   </mc:AlternateContent>
